--- a/01_Org-Structure-withYourRole.pptx
+++ b/01_Org-Structure-withYourRole.pptx
@@ -261,7 +261,7 @@
           <a:p>
             <a:fld id="{53D481CC-EFD7-4F00-878B-1705F0DD5F7F}" type="datetimeFigureOut">
               <a:rPr lang="en-IN" smtClean="0"/>
-              <a:t>25-01-2022</a:t>
+              <a:t>30-01-2022</a:t>
             </a:fld>
             <a:endParaRPr lang="en-IN"/>
           </a:p>
@@ -461,7 +461,7 @@
           <a:p>
             <a:fld id="{53D481CC-EFD7-4F00-878B-1705F0DD5F7F}" type="datetimeFigureOut">
               <a:rPr lang="en-IN" smtClean="0"/>
-              <a:t>25-01-2022</a:t>
+              <a:t>30-01-2022</a:t>
             </a:fld>
             <a:endParaRPr lang="en-IN"/>
           </a:p>
@@ -671,7 +671,7 @@
           <a:p>
             <a:fld id="{53D481CC-EFD7-4F00-878B-1705F0DD5F7F}" type="datetimeFigureOut">
               <a:rPr lang="en-IN" smtClean="0"/>
-              <a:t>25-01-2022</a:t>
+              <a:t>30-01-2022</a:t>
             </a:fld>
             <a:endParaRPr lang="en-IN"/>
           </a:p>
@@ -871,7 +871,7 @@
           <a:p>
             <a:fld id="{53D481CC-EFD7-4F00-878B-1705F0DD5F7F}" type="datetimeFigureOut">
               <a:rPr lang="en-IN" smtClean="0"/>
-              <a:t>25-01-2022</a:t>
+              <a:t>30-01-2022</a:t>
             </a:fld>
             <a:endParaRPr lang="en-IN"/>
           </a:p>
@@ -1147,7 +1147,7 @@
           <a:p>
             <a:fld id="{53D481CC-EFD7-4F00-878B-1705F0DD5F7F}" type="datetimeFigureOut">
               <a:rPr lang="en-IN" smtClean="0"/>
-              <a:t>25-01-2022</a:t>
+              <a:t>30-01-2022</a:t>
             </a:fld>
             <a:endParaRPr lang="en-IN"/>
           </a:p>
@@ -1415,7 +1415,7 @@
           <a:p>
             <a:fld id="{53D481CC-EFD7-4F00-878B-1705F0DD5F7F}" type="datetimeFigureOut">
               <a:rPr lang="en-IN" smtClean="0"/>
-              <a:t>25-01-2022</a:t>
+              <a:t>30-01-2022</a:t>
             </a:fld>
             <a:endParaRPr lang="en-IN"/>
           </a:p>
@@ -1830,7 +1830,7 @@
           <a:p>
             <a:fld id="{53D481CC-EFD7-4F00-878B-1705F0DD5F7F}" type="datetimeFigureOut">
               <a:rPr lang="en-IN" smtClean="0"/>
-              <a:t>25-01-2022</a:t>
+              <a:t>30-01-2022</a:t>
             </a:fld>
             <a:endParaRPr lang="en-IN"/>
           </a:p>
@@ -1972,7 +1972,7 @@
           <a:p>
             <a:fld id="{53D481CC-EFD7-4F00-878B-1705F0DD5F7F}" type="datetimeFigureOut">
               <a:rPr lang="en-IN" smtClean="0"/>
-              <a:t>25-01-2022</a:t>
+              <a:t>30-01-2022</a:t>
             </a:fld>
             <a:endParaRPr lang="en-IN"/>
           </a:p>
@@ -2085,7 +2085,7 @@
           <a:p>
             <a:fld id="{53D481CC-EFD7-4F00-878B-1705F0DD5F7F}" type="datetimeFigureOut">
               <a:rPr lang="en-IN" smtClean="0"/>
-              <a:t>25-01-2022</a:t>
+              <a:t>30-01-2022</a:t>
             </a:fld>
             <a:endParaRPr lang="en-IN"/>
           </a:p>
@@ -2398,7 +2398,7 @@
           <a:p>
             <a:fld id="{53D481CC-EFD7-4F00-878B-1705F0DD5F7F}" type="datetimeFigureOut">
               <a:rPr lang="en-IN" smtClean="0"/>
-              <a:t>25-01-2022</a:t>
+              <a:t>30-01-2022</a:t>
             </a:fld>
             <a:endParaRPr lang="en-IN"/>
           </a:p>
@@ -2687,7 +2687,7 @@
           <a:p>
             <a:fld id="{53D481CC-EFD7-4F00-878B-1705F0DD5F7F}" type="datetimeFigureOut">
               <a:rPr lang="en-IN" smtClean="0"/>
-              <a:t>25-01-2022</a:t>
+              <a:t>30-01-2022</a:t>
             </a:fld>
             <a:endParaRPr lang="en-IN"/>
           </a:p>
@@ -2930,7 +2930,7 @@
           <a:p>
             <a:fld id="{53D481CC-EFD7-4F00-878B-1705F0DD5F7F}" type="datetimeFigureOut">
               <a:rPr lang="en-IN" smtClean="0"/>
-              <a:t>25-01-2022</a:t>
+              <a:t>30-01-2022</a:t>
             </a:fld>
             <a:endParaRPr lang="en-IN"/>
           </a:p>
@@ -5360,12 +5360,12 @@
           <a:lstStyle/>
           <a:p>
             <a:r>
-              <a:rPr lang="en-US">
+              <a:rPr lang="en-US" dirty="0">
                 <a:solidFill>
                   <a:schemeClr val="bg1"/>
                 </a:solidFill>
               </a:rPr>
-              <a:t>STF</a:t>
+              <a:t>STF(04)</a:t>
             </a:r>
             <a:endParaRPr lang="en-IN" dirty="0">
               <a:solidFill>
@@ -5386,18 +5386,20 @@
           </p:cNvPr>
           <p:cNvCxnSpPr>
             <a:cxnSpLocks/>
-            <a:stCxn id="18" idx="0"/>
+            <a:stCxn id="5" idx="1"/>
             <a:endCxn id="4" idx="1"/>
           </p:cNvCxnSpPr>
           <p:nvPr/>
         </p:nvCxnSpPr>
         <p:spPr>
-          <a:xfrm rot="5400000" flipH="1" flipV="1">
-            <a:off x="3625587" y="257215"/>
-            <a:ext cx="1041525" cy="2389575"/>
-          </a:xfrm>
-          <a:prstGeom prst="bentConnector2">
-            <a:avLst/>
+          <a:xfrm rot="10800000" flipH="1">
+            <a:off x="2502269" y="931240"/>
+            <a:ext cx="2838867" cy="1101721"/>
+          </a:xfrm>
+          <a:prstGeom prst="bentConnector3">
+            <a:avLst>
+              <a:gd name="adj1" fmla="val -8053"/>
+            </a:avLst>
           </a:prstGeom>
           <a:ln>
             <a:tailEnd type="triangle"/>
@@ -5770,7 +5772,7 @@
         <p:spPr>
           <a:xfrm>
             <a:off x="2341548" y="4127619"/>
-            <a:ext cx="2735676" cy="1877437"/>
+            <a:ext cx="2735676" cy="2046714"/>
           </a:xfrm>
           <a:prstGeom prst="rect">
             <a:avLst/>
@@ -5831,7 +5833,7 @@
             </a:pPr>
             <a:r>
               <a:rPr lang="en-US" sz="1100" dirty="0"/>
-              <a:t>?</a:t>
+              <a:t>Cloud</a:t>
             </a:r>
           </a:p>
           <a:p>
@@ -5841,7 +5843,7 @@
             </a:pPr>
             <a:r>
               <a:rPr lang="en-US" sz="1100" dirty="0"/>
-              <a:t>?</a:t>
+              <a:t>AI</a:t>
             </a:r>
           </a:p>
           <a:p>
@@ -5851,7 +5853,7 @@
             </a:pPr>
             <a:r>
               <a:rPr lang="en-US" sz="1100" dirty="0"/>
-              <a:t>?</a:t>
+              <a:t>Voice Engine F/W</a:t>
             </a:r>
           </a:p>
           <a:p>
@@ -5873,6 +5875,12 @@
               <a:rPr lang="en-US" sz="1100" dirty="0"/>
               <a:t>?</a:t>
             </a:r>
+          </a:p>
+          <a:p>
+            <a:pPr marL="742950" lvl="1" indent="-285750">
+              <a:buFont typeface="+mj-lt"/>
+              <a:buAutoNum type="arabicPeriod"/>
+            </a:pPr>
             <a:endParaRPr lang="en-IN" sz="1100" dirty="0"/>
           </a:p>
         </p:txBody>
